--- a/Classes/D214 - Data Analytics Graduate Capstone/Performance Assessment(s)/Task 3/D214-nkm2-task3-presentation-of-findings.pptx
+++ b/Classes/D214 - Data Analytics Graduate Capstone/Performance Assessment(s)/Task 3/D214-nkm2-task3-presentation-of-findings.pptx
@@ -4499,7 +4499,7 @@
           <a:bodyPr/>
           <a:lstStyle/>
           <a:p>
-            <a:endParaRPr lang="en-US"/>
+            <a:endParaRPr lang="en-US" dirty="0"/>
           </a:p>
         </p:txBody>
       </p:sp>

--- a/Classes/D214 - Data Analytics Graduate Capstone/Performance Assessment(s)/Task 3/D214-nkm2-task3-presentation-of-findings.pptx
+++ b/Classes/D214 - Data Analytics Graduate Capstone/Performance Assessment(s)/Task 3/D214-nkm2-task3-presentation-of-findings.pptx
@@ -107,6 +107,11 @@
       </a:defRPr>
     </a:lvl9pPr>
   </p:defaultTextStyle>
+  <p:extLst>
+    <p:ext uri="{EFAFB233-063F-42B5-8137-9DF3F51BA10A}">
+      <p15:sldGuideLst xmlns:p15="http://schemas.microsoft.com/office/powerpoint/2012/main"/>
+    </p:ext>
+  </p:extLst>
 </p:presentation>
 </file>
 
@@ -192,7 +197,7 @@
           <a:p>
             <a:fld id="{EBC46A10-8373-4DF4-8B6B-88D420408545}" type="datetimeFigureOut">
               <a:rPr lang="en-US" smtClean="0"/>
-              <a:t>12/13/2023</a:t>
+              <a:t>12/15/2023</a:t>
             </a:fld>
             <a:endParaRPr lang="en-US"/>
           </a:p>
@@ -502,12 +507,16 @@
           <a:bodyPr anchor="b"/>
           <a:lstStyle>
             <a:lvl1pPr algn="ctr">
-              <a:defRPr sz="6000"/>
+              <a:defRPr sz="6000" baseline="0">
+                <a:solidFill>
+                  <a:schemeClr val="accent4"/>
+                </a:solidFill>
+              </a:defRPr>
             </a:lvl1pPr>
           </a:lstStyle>
           <a:p>
             <a:r>
-              <a:rPr lang="en-US"/>
+              <a:rPr lang="en-US" dirty="0"/>
               <a:t>Click to edit Master title style</a:t>
             </a:r>
           </a:p>
@@ -540,7 +549,11 @@
           <a:lstStyle>
             <a:lvl1pPr marL="0" indent="0" algn="ctr">
               <a:buNone/>
-              <a:defRPr sz="2400"/>
+              <a:defRPr sz="2400">
+                <a:solidFill>
+                  <a:schemeClr val="accent4"/>
+                </a:solidFill>
+              </a:defRPr>
             </a:lvl1pPr>
             <a:lvl2pPr marL="457200" indent="0" algn="ctr">
               <a:buNone/>
@@ -577,7 +590,7 @@
           </a:lstStyle>
           <a:p>
             <a:r>
-              <a:rPr lang="en-US"/>
+              <a:rPr lang="en-US" dirty="0"/>
               <a:t>Click to edit Master subtitle style</a:t>
             </a:r>
           </a:p>
@@ -614,7 +627,7 @@
             <a:lvl1pPr algn="l">
               <a:defRPr sz="1200" baseline="0">
                 <a:solidFill>
-                  <a:schemeClr val="bg1"/>
+                  <a:schemeClr val="accent4"/>
                 </a:solidFill>
               </a:defRPr>
             </a:lvl1pPr>
@@ -664,7 +677,7 @@
             <a:lvl1pPr algn="ctr">
               <a:defRPr sz="1200" baseline="0">
                 <a:solidFill>
-                  <a:schemeClr val="bg1"/>
+                  <a:schemeClr val="accent4"/>
                 </a:solidFill>
               </a:defRPr>
             </a:lvl1pPr>
@@ -720,7 +733,7 @@
             <a:lvl1pPr algn="r">
               <a:defRPr sz="1200" baseline="0">
                 <a:solidFill>
-                  <a:schemeClr val="bg1"/>
+                  <a:schemeClr val="accent4"/>
                 </a:solidFill>
               </a:defRPr>
             </a:lvl1pPr>
@@ -743,7 +756,7 @@
     </p:extLst>
   </p:cSld>
   <p:clrMapOvr>
-    <a:masterClrMapping/>
+    <a:overrideClrMapping bg1="lt1" tx1="dk1" bg2="lt2" tx2="dk2" accent1="accent1" accent2="accent2" accent3="accent3" accent4="accent4" accent5="accent5" accent6="accent6" hlink="hlink" folHlink="folHlink"/>
   </p:clrMapOvr>
 </p:sldLayout>
 </file>
@@ -3852,12 +3865,9 @@
   <p:cSld>
     <p:bg>
       <p:bgPr>
-        <a:blipFill>
-          <a:blip r:embed="rId13"/>
-          <a:stretch>
-            <a:fillRect/>
-          </a:stretch>
-        </a:blipFill>
+        <a:solidFill>
+          <a:schemeClr val="bg1"/>
+        </a:solidFill>
         <a:effectLst/>
       </p:bgPr>
     </p:bg>
@@ -4519,7 +4529,7 @@
 <file path=ppt/theme/theme1.xml><?xml version="1.0" encoding="utf-8"?>
 <a:theme xmlns:a="http://schemas.openxmlformats.org/drawingml/2006/main" name="Office Theme">
   <a:themeElements>
-    <a:clrScheme name="Office">
+    <a:clrScheme name="Red Violet">
       <a:dk1>
         <a:sysClr val="windowText" lastClr="000000"/>
       </a:dk1>
@@ -4527,34 +4537,34 @@
         <a:sysClr val="window" lastClr="FFFFFF"/>
       </a:lt1>
       <a:dk2>
-        <a:srgbClr val="44546A"/>
+        <a:srgbClr val="454551"/>
       </a:dk2>
       <a:lt2>
-        <a:srgbClr val="E7E6E6"/>
+        <a:srgbClr val="D8D9DC"/>
       </a:lt2>
       <a:accent1>
-        <a:srgbClr val="4472C4"/>
+        <a:srgbClr val="E32D91"/>
       </a:accent1>
       <a:accent2>
-        <a:srgbClr val="ED7D31"/>
+        <a:srgbClr val="C830CC"/>
       </a:accent2>
       <a:accent3>
-        <a:srgbClr val="A5A5A5"/>
+        <a:srgbClr val="4EA6DC"/>
       </a:accent3>
       <a:accent4>
-        <a:srgbClr val="FFC000"/>
+        <a:srgbClr val="4775E7"/>
       </a:accent4>
       <a:accent5>
-        <a:srgbClr val="5B9BD5"/>
+        <a:srgbClr val="8971E1"/>
       </a:accent5>
       <a:accent6>
-        <a:srgbClr val="70AD47"/>
+        <a:srgbClr val="D54773"/>
       </a:accent6>
       <a:hlink>
-        <a:srgbClr val="0563C1"/>
+        <a:srgbClr val="6B9F25"/>
       </a:hlink>
       <a:folHlink>
-        <a:srgbClr val="954F72"/>
+        <a:srgbClr val="8C8C8C"/>
       </a:folHlink>
     </a:clrScheme>
     <a:fontScheme name="Office">

--- a/Classes/D214 - Data Analytics Graduate Capstone/Performance Assessment(s)/Task 3/D214-nkm2-task3-presentation-of-findings.pptx
+++ b/Classes/D214 - Data Analytics Graduate Capstone/Performance Assessment(s)/Task 3/D214-nkm2-task3-presentation-of-findings.pptx
@@ -5,8 +5,17 @@
     <p:sldMasterId id="2147483648" r:id="rId1"/>
   </p:sldMasterIdLst>
   <p:notesMasterIdLst>
-    <p:notesMasterId r:id="rId2"/>
+    <p:notesMasterId r:id="rId9"/>
   </p:notesMasterIdLst>
+  <p:sldIdLst>
+    <p:sldId id="256" r:id="rId2"/>
+    <p:sldId id="257" r:id="rId3"/>
+    <p:sldId id="258" r:id="rId4"/>
+    <p:sldId id="259" r:id="rId5"/>
+    <p:sldId id="260" r:id="rId6"/>
+    <p:sldId id="261" r:id="rId7"/>
+    <p:sldId id="262" r:id="rId8"/>
+  </p:sldIdLst>
   <p:sldSz cx="12192000" cy="6858000"/>
   <p:notesSz cx="6858000" cy="9144000"/>
   <p:defaultTextStyle>
@@ -104,6 +113,11 @@
       </a:defRPr>
     </a:lvl9pPr>
   </p:defaultTextStyle>
+  <p:extLst>
+    <p:ext uri="{EFAFB233-063F-42B5-8137-9DF3F51BA10A}">
+      <p15:sldGuideLst xmlns:p15="http://schemas.microsoft.com/office/powerpoint/2012/main"/>
+    </p:ext>
+  </p:extLst>
 </p:presentation>
 </file>
 
@@ -456,13 +470,155 @@
 </p:notesMaster>
 </file>
 
+<file path=ppt/slideLayouts/slideLayout1.xml><?xml version="1.0" encoding="utf-8"?>
+<p:sldLayout xmlns:a="http://schemas.openxmlformats.org/drawingml/2006/main" xmlns:r="http://schemas.openxmlformats.org/officeDocument/2006/relationships" xmlns:p="http://schemas.openxmlformats.org/presentationml/2006/main" type="title" preserve="1">
+  <p:cSld name="Title Slide">
+    <p:spTree>
+      <p:nvGrpSpPr>
+        <p:cNvPr id="1" name=""/>
+        <p:cNvGrpSpPr/>
+        <p:nvPr/>
+      </p:nvGrpSpPr>
+      <p:grpSpPr>
+        <a:xfrm>
+          <a:off x="0" y="0"/>
+          <a:ext cx="0" cy="0"/>
+          <a:chOff x="0" y="0"/>
+          <a:chExt cx="0" cy="0"/>
+        </a:xfrm>
+      </p:grpSpPr>
+      <p:sp>
+        <p:nvSpPr>
+          <p:cNvPr id="2" name="Title 1">
+            <a:extLst>
+              <a:ext uri="{FF2B5EF4-FFF2-40B4-BE49-F238E27FC236}">
+                <a16:creationId xmlns:a16="http://schemas.microsoft.com/office/drawing/2014/main" id="{9BAC9BEA-F83B-755E-15CF-FB4C13D550C2}"/>
+              </a:ext>
+            </a:extLst>
+          </p:cNvPr>
+          <p:cNvSpPr>
+            <a:spLocks noGrp="1"/>
+          </p:cNvSpPr>
+          <p:nvPr>
+            <p:ph type="ctrTitle"/>
+          </p:nvPr>
+        </p:nvSpPr>
+        <p:spPr>
+          <a:xfrm>
+            <a:off x="1524000" y="1122363"/>
+            <a:ext cx="9144000" cy="2387600"/>
+          </a:xfrm>
+        </p:spPr>
+        <p:txBody>
+          <a:bodyPr anchor="b"/>
+          <a:lstStyle>
+            <a:lvl1pPr algn="ctr">
+              <a:defRPr sz="6000"/>
+            </a:lvl1pPr>
+          </a:lstStyle>
+          <a:p>
+            <a:r>
+              <a:rPr lang="en-US"/>
+              <a:t>Click to edit Master title style</a:t>
+            </a:r>
+          </a:p>
+        </p:txBody>
+      </p:sp>
+      <p:sp>
+        <p:nvSpPr>
+          <p:cNvPr id="3" name="Subtitle 2">
+            <a:extLst>
+              <a:ext uri="{FF2B5EF4-FFF2-40B4-BE49-F238E27FC236}">
+                <a16:creationId xmlns:a16="http://schemas.microsoft.com/office/drawing/2014/main" id="{6F34E682-2870-04C6-2395-4167D0895D08}"/>
+              </a:ext>
+            </a:extLst>
+          </p:cNvPr>
+          <p:cNvSpPr>
+            <a:spLocks noGrp="1"/>
+          </p:cNvSpPr>
+          <p:nvPr>
+            <p:ph type="subTitle" idx="1"/>
+          </p:nvPr>
+        </p:nvSpPr>
+        <p:spPr>
+          <a:xfrm>
+            <a:off x="1524000" y="3602038"/>
+            <a:ext cx="9144000" cy="1655762"/>
+          </a:xfrm>
+        </p:spPr>
+        <p:txBody>
+          <a:bodyPr/>
+          <a:lstStyle>
+            <a:lvl1pPr marL="0" indent="0" algn="ctr">
+              <a:buNone/>
+              <a:defRPr sz="2400"/>
+            </a:lvl1pPr>
+            <a:lvl2pPr marL="457200" indent="0" algn="ctr">
+              <a:buNone/>
+              <a:defRPr sz="2000"/>
+            </a:lvl2pPr>
+            <a:lvl3pPr marL="914400" indent="0" algn="ctr">
+              <a:buNone/>
+              <a:defRPr sz="1800"/>
+            </a:lvl3pPr>
+            <a:lvl4pPr marL="1371600" indent="0" algn="ctr">
+              <a:buNone/>
+              <a:defRPr sz="1600"/>
+            </a:lvl4pPr>
+            <a:lvl5pPr marL="1828800" indent="0" algn="ctr">
+              <a:buNone/>
+              <a:defRPr sz="1600"/>
+            </a:lvl5pPr>
+            <a:lvl6pPr marL="2286000" indent="0" algn="ctr">
+              <a:buNone/>
+              <a:defRPr sz="1600"/>
+            </a:lvl6pPr>
+            <a:lvl7pPr marL="2743200" indent="0" algn="ctr">
+              <a:buNone/>
+              <a:defRPr sz="1600"/>
+            </a:lvl7pPr>
+            <a:lvl8pPr marL="3200400" indent="0" algn="ctr">
+              <a:buNone/>
+              <a:defRPr sz="1600"/>
+            </a:lvl8pPr>
+            <a:lvl9pPr marL="3657600" indent="0" algn="ctr">
+              <a:buNone/>
+              <a:defRPr sz="1600"/>
+            </a:lvl9pPr>
+          </a:lstStyle>
+          <a:p>
+            <a:r>
+              <a:rPr lang="en-US"/>
+              <a:t>Click to edit Master subtitle style</a:t>
+            </a:r>
+          </a:p>
+        </p:txBody>
+      </p:sp>
+    </p:spTree>
+    <p:extLst>
+      <p:ext uri="{BB962C8B-B14F-4D97-AF65-F5344CB8AC3E}">
+        <p14:creationId xmlns:p14="http://schemas.microsoft.com/office/powerpoint/2010/main" val="1415442967"/>
+      </p:ext>
+    </p:extLst>
+  </p:cSld>
+  <p:clrMapOvr>
+    <a:masterClrMapping/>
+  </p:clrMapOvr>
+</p:sldLayout>
+</file>
+
 <file path=ppt/slideMasters/slideMaster1.xml><?xml version="1.0" encoding="utf-8"?>
 <p:sldMaster xmlns:a="http://schemas.openxmlformats.org/drawingml/2006/main" xmlns:r="http://schemas.openxmlformats.org/officeDocument/2006/relationships" xmlns:p="http://schemas.openxmlformats.org/presentationml/2006/main">
   <p:cSld>
     <p:bg>
-      <p:bgRef idx="1001">
-        <a:schemeClr val="bg1"/>
-      </p:bgRef>
+      <p:bgPr>
+        <a:solidFill>
+          <a:schemeClr val="bg1">
+            <a:lumMod val="50000"/>
+          </a:schemeClr>
+        </a:solidFill>
+        <a:effectLst/>
+      </p:bgPr>
     </p:bg>
     <p:spTree>
       <p:nvGrpSpPr>
@@ -549,35 +705,35 @@
           <a:p>
             <a:pPr lvl="0"/>
             <a:r>
-              <a:rPr lang="en-US"/>
+              <a:rPr lang="en-US" dirty="0"/>
               <a:t>Click to edit Master text styles</a:t>
             </a:r>
           </a:p>
           <a:p>
             <a:pPr lvl="1"/>
             <a:r>
-              <a:rPr lang="en-US"/>
+              <a:rPr lang="en-US" dirty="0"/>
               <a:t>Second level</a:t>
             </a:r>
           </a:p>
           <a:p>
             <a:pPr lvl="2"/>
             <a:r>
-              <a:rPr lang="en-US"/>
+              <a:rPr lang="en-US" dirty="0"/>
               <a:t>Third level</a:t>
             </a:r>
           </a:p>
           <a:p>
             <a:pPr lvl="3"/>
             <a:r>
-              <a:rPr lang="en-US"/>
+              <a:rPr lang="en-US" dirty="0"/>
               <a:t>Fourth level</a:t>
             </a:r>
           </a:p>
           <a:p>
             <a:pPr lvl="4"/>
             <a:r>
-              <a:rPr lang="en-US"/>
+              <a:rPr lang="en-US" dirty="0"/>
               <a:t>Fifth level</a:t>
             </a:r>
           </a:p>
@@ -597,7 +753,7 @@
         </p:nvSpPr>
         <p:spPr>
           <a:xfrm>
-            <a:off x="4068792" y="6176963"/>
+            <a:off x="4744797" y="6209699"/>
             <a:ext cx="3519577" cy="646331"/>
           </a:xfrm>
           <a:prstGeom prst="rect">
@@ -707,26 +863,54 @@
           <a:p>
             <a:pPr algn="ctr"/>
             <a:r>
-              <a:rPr lang="en-US" sz="1200" dirty="0"/>
+              <a:rPr lang="en-US" sz="1200" dirty="0">
+                <a:solidFill>
+                  <a:schemeClr val="accent4"/>
+                </a:solidFill>
+              </a:rPr>
               <a:t>André Davis</a:t>
             </a:r>
             <a:br>
-              <a:rPr lang="en-US" sz="1200" dirty="0"/>
+              <a:rPr lang="en-US" sz="1200" dirty="0">
+                <a:solidFill>
+                  <a:schemeClr val="accent4"/>
+                </a:solidFill>
+              </a:rPr>
             </a:br>
             <a:r>
+              <a:rPr lang="en-US" sz="1200" b="1" dirty="0">
+                <a:solidFill>
+                  <a:schemeClr val="accent4"/>
+                </a:solidFill>
+              </a:rPr>
+              <a:t>Student ID:</a:t>
+            </a:r>
+            <a:r>
+              <a:rPr lang="en-US" sz="1200" dirty="0">
+                <a:solidFill>
+                  <a:schemeClr val="accent4"/>
+                </a:solidFill>
+              </a:rPr>
+              <a:t> 010630641</a:t>
+            </a:r>
+            <a:br>
+              <a:rPr lang="en-US" sz="1200" b="1" dirty="0">
+                <a:solidFill>
+                  <a:schemeClr val="accent4"/>
+                </a:solidFill>
+              </a:rPr>
+            </a:br>
+            <a:r>
+              <a:rPr lang="en-US" sz="1200" b="1" dirty="0">
+                <a:solidFill>
+                  <a:schemeClr val="accent4"/>
+                </a:solidFill>
+              </a:rPr>
+              <a:t>Email</a:t>
+            </a:r>
+            <a:r>
               <a:rPr lang="en-US" sz="1200" b="1" dirty="0"/>
-              <a:t>Student ID:</a:t>
-            </a:r>
-            <a:r>
-              <a:rPr lang="en-US" sz="1200" dirty="0"/>
-              <a:t> 010630641</a:t>
-            </a:r>
-            <a:br>
-              <a:rPr lang="en-US" sz="1200" b="1" dirty="0"/>
-            </a:br>
-            <a:r>
-              <a:rPr lang="en-US" sz="1200" b="1" dirty="0"/>
-              <a:t>Email:</a:t>
+              <a:t>:</a:t>
             </a:r>
             <a:r>
               <a:rPr lang="en-US" sz="1200" dirty="0"/>
@@ -734,7 +918,7 @@
             </a:r>
             <a:r>
               <a:rPr lang="en-US" sz="1200" dirty="0">
-                <a:hlinkClick r:id="rId2"/>
+                <a:hlinkClick r:id="rId3"/>
               </a:rPr>
               <a:t>ada1962@wgu.edu</a:t>
             </a:r>
@@ -757,13 +941,13 @@
           <p:nvPr userDrawn="1"/>
         </p:nvPicPr>
         <p:blipFill>
-          <a:blip r:embed="rId3">
+          <a:blip r:embed="rId4">
             <a:extLst>
               <a:ext uri="{28A0092B-C50C-407E-A947-70E740481C1C}">
                 <a14:useLocalDpi xmlns:a14="http://schemas.microsoft.com/office/drawing/2010/main" val="0"/>
               </a:ext>
               <a:ext uri="{96DAC541-7B7A-43D3-8B79-37D633B846F1}">
-                <asvg:svgBlip xmlns:asvg="http://schemas.microsoft.com/office/drawing/2016/SVG/main" r:embed="rId4"/>
+                <asvg:svgBlip xmlns:asvg="http://schemas.microsoft.com/office/drawing/2016/SVG/main" r:embed="rId5"/>
               </a:ext>
             </a:extLst>
           </a:blip>
@@ -781,6 +965,41 @@
           </a:prstGeom>
         </p:spPr>
       </p:pic>
+      <p:pic>
+        <p:nvPicPr>
+          <p:cNvPr id="5" name="Picture 4" descr="A logo with lines and dots&#10;&#10;Description automatically generated">
+            <a:extLst>
+              <a:ext uri="{FF2B5EF4-FFF2-40B4-BE49-F238E27FC236}">
+                <a16:creationId xmlns:a16="http://schemas.microsoft.com/office/drawing/2014/main" id="{2474A061-BCCE-028E-AC46-D70D739802EE}"/>
+              </a:ext>
+            </a:extLst>
+          </p:cNvPr>
+          <p:cNvPicPr>
+            <a:picLocks noChangeAspect="1"/>
+          </p:cNvPicPr>
+          <p:nvPr userDrawn="1"/>
+        </p:nvPicPr>
+        <p:blipFill rotWithShape="1">
+          <a:blip r:embed="rId6">
+            <a:extLst>
+              <a:ext uri="{28A0092B-C50C-407E-A947-70E740481C1C}">
+                <a14:useLocalDpi xmlns:a14="http://schemas.microsoft.com/office/drawing/2010/main" val="0"/>
+              </a:ext>
+            </a:extLst>
+          </a:blip>
+          <a:srcRect l="20752" t="21231" r="15322" b="22091"/>
+          <a:stretch/>
+        </p:blipFill>
+        <p:spPr>
+          <a:xfrm>
+            <a:off x="10420150" y="6028257"/>
+            <a:ext cx="933650" cy="827773"/>
+          </a:xfrm>
+          <a:prstGeom prst="rect">
+            <a:avLst/>
+          </a:prstGeom>
+        </p:spPr>
+      </p:pic>
     </p:spTree>
     <p:extLst>
       <p:ext uri="{BB962C8B-B14F-4D97-AF65-F5344CB8AC3E}">
@@ -789,6 +1008,9 @@
     </p:extLst>
   </p:cSld>
   <p:clrMap bg1="lt1" tx1="dk1" bg2="lt2" tx2="dk2" accent1="accent1" accent2="accent2" accent3="accent3" accent4="accent4" accent5="accent5" accent6="accent6" hlink="hlink" folHlink="folHlink"/>
+  <p:sldLayoutIdLst>
+    <p:sldLayoutId id="2147483649" r:id="rId1"/>
+  </p:sldLayoutIdLst>
   <p:hf hdr="0" ftr="0" dt="0"/>
   <p:txStyles>
     <p:titleStyle>
@@ -1073,6 +1295,551 @@
 </p:sldMaster>
 </file>
 
+<file path=ppt/slides/slide1.xml><?xml version="1.0" encoding="utf-8"?>
+<p:sld xmlns:a="http://schemas.openxmlformats.org/drawingml/2006/main" xmlns:r="http://schemas.openxmlformats.org/officeDocument/2006/relationships" xmlns:p="http://schemas.openxmlformats.org/presentationml/2006/main">
+  <p:cSld>
+    <p:bg>
+      <p:bgPr>
+        <a:solidFill>
+          <a:schemeClr val="tx2"/>
+        </a:solidFill>
+        <a:effectLst/>
+      </p:bgPr>
+    </p:bg>
+    <p:spTree>
+      <p:nvGrpSpPr>
+        <p:cNvPr id="1" name=""/>
+        <p:cNvGrpSpPr/>
+        <p:nvPr/>
+      </p:nvGrpSpPr>
+      <p:grpSpPr>
+        <a:xfrm>
+          <a:off x="0" y="0"/>
+          <a:ext cx="0" cy="0"/>
+          <a:chOff x="0" y="0"/>
+          <a:chExt cx="0" cy="0"/>
+        </a:xfrm>
+      </p:grpSpPr>
+      <p:sp>
+        <p:nvSpPr>
+          <p:cNvPr id="2" name="Title 1">
+            <a:extLst>
+              <a:ext uri="{FF2B5EF4-FFF2-40B4-BE49-F238E27FC236}">
+                <a16:creationId xmlns:a16="http://schemas.microsoft.com/office/drawing/2014/main" id="{4A04CBE6-ECEE-7820-5A5A-BF684677313F}"/>
+              </a:ext>
+            </a:extLst>
+          </p:cNvPr>
+          <p:cNvSpPr>
+            <a:spLocks noGrp="1"/>
+          </p:cNvSpPr>
+          <p:nvPr>
+            <p:ph type="ctrTitle"/>
+          </p:nvPr>
+        </p:nvSpPr>
+        <p:spPr>
+          <a:xfrm>
+            <a:off x="363020" y="259334"/>
+            <a:ext cx="9144000" cy="850275"/>
+          </a:xfrm>
+        </p:spPr>
+        <p:txBody>
+          <a:bodyPr>
+            <a:normAutofit fontScale="90000"/>
+          </a:bodyPr>
+          <a:lstStyle/>
+          <a:p>
+            <a:r>
+              <a:rPr lang="en-US" dirty="0">
+                <a:solidFill>
+                  <a:schemeClr val="accent4"/>
+                </a:solidFill>
+              </a:rPr>
+              <a:t>Introduction and Background</a:t>
+            </a:r>
+          </a:p>
+        </p:txBody>
+      </p:sp>
+    </p:spTree>
+    <p:extLst>
+      <p:ext uri="{BB962C8B-B14F-4D97-AF65-F5344CB8AC3E}">
+        <p14:creationId xmlns:p14="http://schemas.microsoft.com/office/powerpoint/2010/main" val="957264525"/>
+      </p:ext>
+    </p:extLst>
+  </p:cSld>
+  <p:clrMapOvr>
+    <a:masterClrMapping/>
+  </p:clrMapOvr>
+</p:sld>
+</file>
+
+<file path=ppt/slides/slide2.xml><?xml version="1.0" encoding="utf-8"?>
+<p:sld xmlns:a="http://schemas.openxmlformats.org/drawingml/2006/main" xmlns:r="http://schemas.openxmlformats.org/officeDocument/2006/relationships" xmlns:p="http://schemas.openxmlformats.org/presentationml/2006/main">
+  <p:cSld>
+    <p:bg>
+      <p:bgPr>
+        <a:solidFill>
+          <a:schemeClr val="tx2"/>
+        </a:solidFill>
+        <a:effectLst/>
+      </p:bgPr>
+    </p:bg>
+    <p:spTree>
+      <p:nvGrpSpPr>
+        <p:cNvPr id="1" name=""/>
+        <p:cNvGrpSpPr/>
+        <p:nvPr/>
+      </p:nvGrpSpPr>
+      <p:grpSpPr>
+        <a:xfrm>
+          <a:off x="0" y="0"/>
+          <a:ext cx="0" cy="0"/>
+          <a:chOff x="0" y="0"/>
+          <a:chExt cx="0" cy="0"/>
+        </a:xfrm>
+      </p:grpSpPr>
+      <p:sp>
+        <p:nvSpPr>
+          <p:cNvPr id="6" name="Title 1">
+            <a:extLst>
+              <a:ext uri="{FF2B5EF4-FFF2-40B4-BE49-F238E27FC236}">
+                <a16:creationId xmlns:a16="http://schemas.microsoft.com/office/drawing/2014/main" id="{93889E90-8EA1-08B8-92EA-BFAEB4C22961}"/>
+              </a:ext>
+            </a:extLst>
+          </p:cNvPr>
+          <p:cNvSpPr>
+            <a:spLocks noGrp="1"/>
+          </p:cNvSpPr>
+          <p:nvPr>
+            <p:ph type="ctrTitle"/>
+          </p:nvPr>
+        </p:nvSpPr>
+        <p:spPr>
+          <a:xfrm>
+            <a:off x="363020" y="259334"/>
+            <a:ext cx="9144000" cy="850275"/>
+          </a:xfrm>
+        </p:spPr>
+        <p:txBody>
+          <a:bodyPr>
+            <a:normAutofit fontScale="90000"/>
+          </a:bodyPr>
+          <a:lstStyle/>
+          <a:p>
+            <a:pPr algn="l"/>
+            <a:r>
+              <a:rPr lang="en-US" dirty="0">
+                <a:solidFill>
+                  <a:schemeClr val="accent4"/>
+                </a:solidFill>
+              </a:rPr>
+              <a:t>Problem and Hypothesis</a:t>
+            </a:r>
+          </a:p>
+        </p:txBody>
+      </p:sp>
+    </p:spTree>
+    <p:extLst>
+      <p:ext uri="{BB962C8B-B14F-4D97-AF65-F5344CB8AC3E}">
+        <p14:creationId xmlns:p14="http://schemas.microsoft.com/office/powerpoint/2010/main" val="3965386464"/>
+      </p:ext>
+    </p:extLst>
+  </p:cSld>
+  <p:clrMapOvr>
+    <a:masterClrMapping/>
+  </p:clrMapOvr>
+</p:sld>
+</file>
+
+<file path=ppt/slides/slide3.xml><?xml version="1.0" encoding="utf-8"?>
+<p:sld xmlns:a="http://schemas.openxmlformats.org/drawingml/2006/main" xmlns:r="http://schemas.openxmlformats.org/officeDocument/2006/relationships" xmlns:p="http://schemas.openxmlformats.org/presentationml/2006/main">
+  <p:cSld>
+    <p:bg>
+      <p:bgPr>
+        <a:solidFill>
+          <a:schemeClr val="tx2"/>
+        </a:solidFill>
+        <a:effectLst/>
+      </p:bgPr>
+    </p:bg>
+    <p:spTree>
+      <p:nvGrpSpPr>
+        <p:cNvPr id="1" name=""/>
+        <p:cNvGrpSpPr/>
+        <p:nvPr/>
+      </p:nvGrpSpPr>
+      <p:grpSpPr>
+        <a:xfrm>
+          <a:off x="0" y="0"/>
+          <a:ext cx="0" cy="0"/>
+          <a:chOff x="0" y="0"/>
+          <a:chExt cx="0" cy="0"/>
+        </a:xfrm>
+      </p:grpSpPr>
+      <p:sp>
+        <p:nvSpPr>
+          <p:cNvPr id="6" name="Title 1">
+            <a:extLst>
+              <a:ext uri="{FF2B5EF4-FFF2-40B4-BE49-F238E27FC236}">
+                <a16:creationId xmlns:a16="http://schemas.microsoft.com/office/drawing/2014/main" id="{8D26378E-87FB-E543-8CE2-2B956D5D0665}"/>
+              </a:ext>
+            </a:extLst>
+          </p:cNvPr>
+          <p:cNvSpPr>
+            <a:spLocks noGrp="1"/>
+          </p:cNvSpPr>
+          <p:nvPr>
+            <p:ph type="ctrTitle"/>
+          </p:nvPr>
+        </p:nvSpPr>
+        <p:spPr>
+          <a:xfrm>
+            <a:off x="363020" y="259334"/>
+            <a:ext cx="11380342" cy="850275"/>
+          </a:xfrm>
+        </p:spPr>
+        <p:txBody>
+          <a:bodyPr>
+            <a:normAutofit fontScale="90000"/>
+          </a:bodyPr>
+          <a:lstStyle/>
+          <a:p>
+            <a:pPr algn="l"/>
+            <a:r>
+              <a:rPr lang="en-US" dirty="0">
+                <a:solidFill>
+                  <a:schemeClr val="accent4"/>
+                </a:solidFill>
+              </a:rPr>
+              <a:t>Summary of Data-Analysis Process</a:t>
+            </a:r>
+          </a:p>
+        </p:txBody>
+      </p:sp>
+    </p:spTree>
+    <p:extLst>
+      <p:ext uri="{BB962C8B-B14F-4D97-AF65-F5344CB8AC3E}">
+        <p14:creationId xmlns:p14="http://schemas.microsoft.com/office/powerpoint/2010/main" val="4083477535"/>
+      </p:ext>
+    </p:extLst>
+  </p:cSld>
+  <p:clrMapOvr>
+    <a:masterClrMapping/>
+  </p:clrMapOvr>
+</p:sld>
+</file>
+
+<file path=ppt/slides/slide4.xml><?xml version="1.0" encoding="utf-8"?>
+<p:sld xmlns:a="http://schemas.openxmlformats.org/drawingml/2006/main" xmlns:r="http://schemas.openxmlformats.org/officeDocument/2006/relationships" xmlns:p="http://schemas.openxmlformats.org/presentationml/2006/main">
+  <p:cSld>
+    <p:bg>
+      <p:bgPr>
+        <a:solidFill>
+          <a:schemeClr val="tx2"/>
+        </a:solidFill>
+        <a:effectLst/>
+      </p:bgPr>
+    </p:bg>
+    <p:spTree>
+      <p:nvGrpSpPr>
+        <p:cNvPr id="1" name=""/>
+        <p:cNvGrpSpPr/>
+        <p:nvPr/>
+      </p:nvGrpSpPr>
+      <p:grpSpPr>
+        <a:xfrm>
+          <a:off x="0" y="0"/>
+          <a:ext cx="0" cy="0"/>
+          <a:chOff x="0" y="0"/>
+          <a:chExt cx="0" cy="0"/>
+        </a:xfrm>
+      </p:grpSpPr>
+      <p:sp>
+        <p:nvSpPr>
+          <p:cNvPr id="4" name="Title 1">
+            <a:extLst>
+              <a:ext uri="{FF2B5EF4-FFF2-40B4-BE49-F238E27FC236}">
+                <a16:creationId xmlns:a16="http://schemas.microsoft.com/office/drawing/2014/main" id="{3BB07250-A065-644E-70B1-CC960D0F710E}"/>
+              </a:ext>
+            </a:extLst>
+          </p:cNvPr>
+          <p:cNvSpPr>
+            <a:spLocks noGrp="1"/>
+          </p:cNvSpPr>
+          <p:nvPr>
+            <p:ph type="ctrTitle"/>
+          </p:nvPr>
+        </p:nvSpPr>
+        <p:spPr>
+          <a:xfrm>
+            <a:off x="363020" y="259334"/>
+            <a:ext cx="9144000" cy="850275"/>
+          </a:xfrm>
+        </p:spPr>
+        <p:txBody>
+          <a:bodyPr>
+            <a:normAutofit fontScale="90000"/>
+          </a:bodyPr>
+          <a:lstStyle/>
+          <a:p>
+            <a:pPr algn="l"/>
+            <a:r>
+              <a:rPr lang="en-US" dirty="0">
+                <a:solidFill>
+                  <a:schemeClr val="accent4"/>
+                </a:solidFill>
+              </a:rPr>
+              <a:t>Outline of Findings</a:t>
+            </a:r>
+          </a:p>
+        </p:txBody>
+      </p:sp>
+    </p:spTree>
+    <p:extLst>
+      <p:ext uri="{BB962C8B-B14F-4D97-AF65-F5344CB8AC3E}">
+        <p14:creationId xmlns:p14="http://schemas.microsoft.com/office/powerpoint/2010/main" val="317282288"/>
+      </p:ext>
+    </p:extLst>
+  </p:cSld>
+  <p:clrMapOvr>
+    <a:masterClrMapping/>
+  </p:clrMapOvr>
+</p:sld>
+</file>
+
+<file path=ppt/slides/slide5.xml><?xml version="1.0" encoding="utf-8"?>
+<p:sld xmlns:a="http://schemas.openxmlformats.org/drawingml/2006/main" xmlns:r="http://schemas.openxmlformats.org/officeDocument/2006/relationships" xmlns:p="http://schemas.openxmlformats.org/presentationml/2006/main">
+  <p:cSld>
+    <p:bg>
+      <p:bgPr>
+        <a:solidFill>
+          <a:schemeClr val="tx2"/>
+        </a:solidFill>
+        <a:effectLst/>
+      </p:bgPr>
+    </p:bg>
+    <p:spTree>
+      <p:nvGrpSpPr>
+        <p:cNvPr id="1" name=""/>
+        <p:cNvGrpSpPr/>
+        <p:nvPr/>
+      </p:nvGrpSpPr>
+      <p:grpSpPr>
+        <a:xfrm>
+          <a:off x="0" y="0"/>
+          <a:ext cx="0" cy="0"/>
+          <a:chOff x="0" y="0"/>
+          <a:chExt cx="0" cy="0"/>
+        </a:xfrm>
+      </p:grpSpPr>
+      <p:sp>
+        <p:nvSpPr>
+          <p:cNvPr id="4" name="Title 1">
+            <a:extLst>
+              <a:ext uri="{FF2B5EF4-FFF2-40B4-BE49-F238E27FC236}">
+                <a16:creationId xmlns:a16="http://schemas.microsoft.com/office/drawing/2014/main" id="{D6F8AAFB-8E5A-432A-BE70-CA09A003C388}"/>
+              </a:ext>
+            </a:extLst>
+          </p:cNvPr>
+          <p:cNvSpPr>
+            <a:spLocks noGrp="1"/>
+          </p:cNvSpPr>
+          <p:nvPr>
+            <p:ph type="ctrTitle"/>
+          </p:nvPr>
+        </p:nvSpPr>
+        <p:spPr>
+          <a:xfrm>
+            <a:off x="363020" y="259334"/>
+            <a:ext cx="9144000" cy="850275"/>
+          </a:xfrm>
+        </p:spPr>
+        <p:txBody>
+          <a:bodyPr>
+            <a:normAutofit fontScale="90000"/>
+          </a:bodyPr>
+          <a:lstStyle/>
+          <a:p>
+            <a:pPr algn="l"/>
+            <a:r>
+              <a:rPr lang="en-US" dirty="0">
+                <a:solidFill>
+                  <a:schemeClr val="accent4"/>
+                </a:solidFill>
+              </a:rPr>
+              <a:t>Limitations of Techniques/Tools</a:t>
+            </a:r>
+          </a:p>
+        </p:txBody>
+      </p:sp>
+    </p:spTree>
+    <p:extLst>
+      <p:ext uri="{BB962C8B-B14F-4D97-AF65-F5344CB8AC3E}">
+        <p14:creationId xmlns:p14="http://schemas.microsoft.com/office/powerpoint/2010/main" val="463982629"/>
+      </p:ext>
+    </p:extLst>
+  </p:cSld>
+  <p:clrMapOvr>
+    <a:masterClrMapping/>
+  </p:clrMapOvr>
+</p:sld>
+</file>
+
+<file path=ppt/slides/slide6.xml><?xml version="1.0" encoding="utf-8"?>
+<p:sld xmlns:a="http://schemas.openxmlformats.org/drawingml/2006/main" xmlns:r="http://schemas.openxmlformats.org/officeDocument/2006/relationships" xmlns:p="http://schemas.openxmlformats.org/presentationml/2006/main">
+  <p:cSld>
+    <p:bg>
+      <p:bgPr>
+        <a:solidFill>
+          <a:schemeClr val="tx2"/>
+        </a:solidFill>
+        <a:effectLst/>
+      </p:bgPr>
+    </p:bg>
+    <p:spTree>
+      <p:nvGrpSpPr>
+        <p:cNvPr id="1" name=""/>
+        <p:cNvGrpSpPr/>
+        <p:nvPr/>
+      </p:nvGrpSpPr>
+      <p:grpSpPr>
+        <a:xfrm>
+          <a:off x="0" y="0"/>
+          <a:ext cx="0" cy="0"/>
+          <a:chOff x="0" y="0"/>
+          <a:chExt cx="0" cy="0"/>
+        </a:xfrm>
+      </p:grpSpPr>
+      <p:sp>
+        <p:nvSpPr>
+          <p:cNvPr id="4" name="Title 1">
+            <a:extLst>
+              <a:ext uri="{FF2B5EF4-FFF2-40B4-BE49-F238E27FC236}">
+                <a16:creationId xmlns:a16="http://schemas.microsoft.com/office/drawing/2014/main" id="{7DF12E9B-B3C0-BAAB-35EF-BB9E60C1865A}"/>
+              </a:ext>
+            </a:extLst>
+          </p:cNvPr>
+          <p:cNvSpPr>
+            <a:spLocks noGrp="1"/>
+          </p:cNvSpPr>
+          <p:nvPr>
+            <p:ph type="ctrTitle"/>
+          </p:nvPr>
+        </p:nvSpPr>
+        <p:spPr>
+          <a:xfrm>
+            <a:off x="363020" y="259334"/>
+            <a:ext cx="9144000" cy="850275"/>
+          </a:xfrm>
+        </p:spPr>
+        <p:txBody>
+          <a:bodyPr>
+            <a:normAutofit fontScale="90000"/>
+          </a:bodyPr>
+          <a:lstStyle/>
+          <a:p>
+            <a:pPr algn="l"/>
+            <a:r>
+              <a:rPr lang="en-US" dirty="0">
+                <a:solidFill>
+                  <a:schemeClr val="accent4"/>
+                </a:solidFill>
+              </a:rPr>
+              <a:t>Proposed Actions</a:t>
+            </a:r>
+          </a:p>
+        </p:txBody>
+      </p:sp>
+    </p:spTree>
+    <p:extLst>
+      <p:ext uri="{BB962C8B-B14F-4D97-AF65-F5344CB8AC3E}">
+        <p14:creationId xmlns:p14="http://schemas.microsoft.com/office/powerpoint/2010/main" val="1902355175"/>
+      </p:ext>
+    </p:extLst>
+  </p:cSld>
+  <p:clrMapOvr>
+    <a:masterClrMapping/>
+  </p:clrMapOvr>
+</p:sld>
+</file>
+
+<file path=ppt/slides/slide7.xml><?xml version="1.0" encoding="utf-8"?>
+<p:sld xmlns:a="http://schemas.openxmlformats.org/drawingml/2006/main" xmlns:r="http://schemas.openxmlformats.org/officeDocument/2006/relationships" xmlns:p="http://schemas.openxmlformats.org/presentationml/2006/main">
+  <p:cSld>
+    <p:bg>
+      <p:bgPr>
+        <a:solidFill>
+          <a:schemeClr val="tx2"/>
+        </a:solidFill>
+        <a:effectLst/>
+      </p:bgPr>
+    </p:bg>
+    <p:spTree>
+      <p:nvGrpSpPr>
+        <p:cNvPr id="1" name=""/>
+        <p:cNvGrpSpPr/>
+        <p:nvPr/>
+      </p:nvGrpSpPr>
+      <p:grpSpPr>
+        <a:xfrm>
+          <a:off x="0" y="0"/>
+          <a:ext cx="0" cy="0"/>
+          <a:chOff x="0" y="0"/>
+          <a:chExt cx="0" cy="0"/>
+        </a:xfrm>
+      </p:grpSpPr>
+      <p:sp>
+        <p:nvSpPr>
+          <p:cNvPr id="4" name="Title 1">
+            <a:extLst>
+              <a:ext uri="{FF2B5EF4-FFF2-40B4-BE49-F238E27FC236}">
+                <a16:creationId xmlns:a16="http://schemas.microsoft.com/office/drawing/2014/main" id="{2D2EC383-D1E6-EBA6-C301-4C960F7D1F55}"/>
+              </a:ext>
+            </a:extLst>
+          </p:cNvPr>
+          <p:cNvSpPr>
+            <a:spLocks noGrp="1"/>
+          </p:cNvSpPr>
+          <p:nvPr>
+            <p:ph type="ctrTitle"/>
+          </p:nvPr>
+        </p:nvSpPr>
+        <p:spPr>
+          <a:xfrm>
+            <a:off x="363020" y="259334"/>
+            <a:ext cx="9144000" cy="850275"/>
+          </a:xfrm>
+        </p:spPr>
+        <p:txBody>
+          <a:bodyPr>
+            <a:normAutofit fontScale="90000"/>
+          </a:bodyPr>
+          <a:lstStyle/>
+          <a:p>
+            <a:pPr algn="l"/>
+            <a:r>
+              <a:rPr lang="en-US" dirty="0">
+                <a:solidFill>
+                  <a:schemeClr val="accent4"/>
+                </a:solidFill>
+              </a:rPr>
+              <a:t>Benefits of Study</a:t>
+            </a:r>
+          </a:p>
+        </p:txBody>
+      </p:sp>
+    </p:spTree>
+    <p:extLst>
+      <p:ext uri="{BB962C8B-B14F-4D97-AF65-F5344CB8AC3E}">
+        <p14:creationId xmlns:p14="http://schemas.microsoft.com/office/powerpoint/2010/main" val="3646921313"/>
+      </p:ext>
+    </p:extLst>
+  </p:cSld>
+  <p:clrMapOvr>
+    <a:masterClrMapping/>
+  </p:clrMapOvr>
+</p:sld>
+</file>
+
 <file path=ppt/theme/theme1.xml><?xml version="1.0" encoding="utf-8"?>
 <a:theme xmlns:a="http://schemas.openxmlformats.org/drawingml/2006/main" name="Office Theme">
   <a:themeElements>

--- a/Classes/D214 - Data Analytics Graduate Capstone/Performance Assessment(s)/Task 3/D214-nkm2-task3-presentation-of-findings.pptx
+++ b/Classes/D214 - Data Analytics Graduate Capstone/Performance Assessment(s)/Task 3/D214-nkm2-task3-presentation-of-findings.pptx
@@ -1359,6 +1359,393 @@
           </a:p>
         </p:txBody>
       </p:sp>
+      <p:sp>
+        <p:nvSpPr>
+          <p:cNvPr id="3" name="TextBox 2">
+            <a:extLst>
+              <a:ext uri="{FF2B5EF4-FFF2-40B4-BE49-F238E27FC236}">
+                <a16:creationId xmlns:a16="http://schemas.microsoft.com/office/drawing/2014/main" id="{21842C07-85A4-2F95-15E8-8CF538D57A0A}"/>
+              </a:ext>
+            </a:extLst>
+          </p:cNvPr>
+          <p:cNvSpPr txBox="1"/>
+          <p:nvPr/>
+        </p:nvSpPr>
+        <p:spPr>
+          <a:xfrm>
+            <a:off x="3429000" y="1573530"/>
+            <a:ext cx="8282354" cy="4524315"/>
+          </a:xfrm>
+          <a:prstGeom prst="rect">
+            <a:avLst/>
+          </a:prstGeom>
+          <a:noFill/>
+        </p:spPr>
+        <p:txBody>
+          <a:bodyPr wrap="square" rtlCol="0">
+            <a:spAutoFit/>
+          </a:bodyPr>
+          <a:lstStyle/>
+          <a:p>
+            <a:pPr marL="285750" indent="-285750">
+              <a:buFont typeface="Arial" panose="020B0604020202020204" pitchFamily="34" charset="0"/>
+              <a:buChar char="•"/>
+            </a:pPr>
+            <a:r>
+              <a:rPr lang="en-US" sz="3200" dirty="0">
+                <a:solidFill>
+                  <a:schemeClr val="accent4"/>
+                </a:solidFill>
+              </a:rPr>
+              <a:t>Sr. Software Engineer </a:t>
+            </a:r>
+          </a:p>
+          <a:p>
+            <a:pPr marL="742950" lvl="1" indent="-285750">
+              <a:buFont typeface="Arial" panose="020B0604020202020204" pitchFamily="34" charset="0"/>
+              <a:buChar char="•"/>
+            </a:pPr>
+            <a:r>
+              <a:rPr lang="en-US" sz="3200" dirty="0">
+                <a:solidFill>
+                  <a:schemeClr val="accent4"/>
+                </a:solidFill>
+              </a:rPr>
+              <a:t>Full-Stack</a:t>
+            </a:r>
+          </a:p>
+          <a:p>
+            <a:pPr marL="742950" lvl="1" indent="-285750">
+              <a:buFont typeface="Arial" panose="020B0604020202020204" pitchFamily="34" charset="0"/>
+              <a:buChar char="•"/>
+            </a:pPr>
+            <a:r>
+              <a:rPr lang="en-US" sz="3200" dirty="0">
+                <a:solidFill>
+                  <a:schemeClr val="accent4"/>
+                </a:solidFill>
+              </a:rPr>
+              <a:t>Microsoft .NET, T-SQL, Azure, Azure DevOps</a:t>
+            </a:r>
+            <a:br>
+              <a:rPr lang="en-US" sz="3200" dirty="0">
+                <a:solidFill>
+                  <a:schemeClr val="accent4"/>
+                </a:solidFill>
+              </a:rPr>
+            </a:br>
+            <a:endParaRPr lang="en-US" sz="3200" dirty="0">
+              <a:solidFill>
+                <a:schemeClr val="accent4"/>
+              </a:solidFill>
+            </a:endParaRPr>
+          </a:p>
+          <a:p>
+            <a:pPr marL="285750" indent="-285750">
+              <a:buFont typeface="Arial" panose="020B0604020202020204" pitchFamily="34" charset="0"/>
+              <a:buChar char="•"/>
+            </a:pPr>
+            <a:r>
+              <a:rPr lang="en-US" sz="3200" dirty="0">
+                <a:solidFill>
+                  <a:schemeClr val="accent4"/>
+                </a:solidFill>
+              </a:rPr>
+              <a:t>WGU Master’s in Data Analytics Graduate Student</a:t>
+            </a:r>
+          </a:p>
+          <a:p>
+            <a:pPr marL="742950" lvl="1" indent="-285750">
+              <a:buFont typeface="Arial" panose="020B0604020202020204" pitchFamily="34" charset="0"/>
+              <a:buChar char="•"/>
+            </a:pPr>
+            <a:r>
+              <a:rPr lang="en-US" sz="3200" dirty="0">
+                <a:solidFill>
+                  <a:schemeClr val="accent4"/>
+                </a:solidFill>
+              </a:rPr>
+              <a:t>Jupyter Notebook</a:t>
+            </a:r>
+          </a:p>
+          <a:p>
+            <a:pPr marL="742950" lvl="1" indent="-285750">
+              <a:buFont typeface="Arial" panose="020B0604020202020204" pitchFamily="34" charset="0"/>
+              <a:buChar char="•"/>
+            </a:pPr>
+            <a:r>
+              <a:rPr lang="en-US" sz="3200" dirty="0">
+                <a:solidFill>
+                  <a:schemeClr val="accent4"/>
+                </a:solidFill>
+              </a:rPr>
+              <a:t>Python</a:t>
+            </a:r>
+          </a:p>
+          <a:p>
+            <a:pPr marL="742950" lvl="1" indent="-285750">
+              <a:buFont typeface="Arial" panose="020B0604020202020204" pitchFamily="34" charset="0"/>
+              <a:buChar char="•"/>
+            </a:pPr>
+            <a:r>
+              <a:rPr lang="en-US" sz="3200" dirty="0">
+                <a:solidFill>
+                  <a:schemeClr val="accent4"/>
+                </a:solidFill>
+              </a:rPr>
+              <a:t>Markdown</a:t>
+            </a:r>
+          </a:p>
+        </p:txBody>
+      </p:sp>
+      <p:pic>
+        <p:nvPicPr>
+          <p:cNvPr id="1028" name="Picture 4" descr="Andre Davis profile image.">
+            <a:extLst>
+              <a:ext uri="{FF2B5EF4-FFF2-40B4-BE49-F238E27FC236}">
+                <a16:creationId xmlns:a16="http://schemas.microsoft.com/office/drawing/2014/main" id="{C26334F1-F5A0-1833-9E2A-17D85ADFD04F}"/>
+              </a:ext>
+            </a:extLst>
+          </p:cNvPr>
+          <p:cNvPicPr>
+            <a:picLocks noChangeAspect="1" noChangeArrowheads="1"/>
+          </p:cNvPicPr>
+          <p:nvPr/>
+        </p:nvPicPr>
+        <p:blipFill>
+          <a:blip r:embed="rId2">
+            <a:extLst>
+              <a:ext uri="{28A0092B-C50C-407E-A947-70E740481C1C}">
+                <a14:useLocalDpi xmlns:a14="http://schemas.microsoft.com/office/drawing/2010/main" val="0"/>
+              </a:ext>
+            </a:extLst>
+          </a:blip>
+          <a:srcRect/>
+          <a:stretch>
+            <a:fillRect/>
+          </a:stretch>
+        </p:blipFill>
+        <p:spPr bwMode="auto">
+          <a:xfrm>
+            <a:off x="1083989" y="1576755"/>
+            <a:ext cx="1852245" cy="1852245"/>
+          </a:xfrm>
+          <a:prstGeom prst="rect">
+            <a:avLst/>
+          </a:prstGeom>
+          <a:noFill/>
+          <a:effectLst>
+            <a:reflection blurRad="6350" stA="50000" endA="300" endPos="55000" dir="5400000" sy="-100000" algn="bl" rotWithShape="0"/>
+            <a:softEdge rad="31750"/>
+          </a:effectLst>
+          <a:extLst>
+            <a:ext uri="{909E8E84-426E-40DD-AFC4-6F175D3DCCD1}">
+              <a14:hiddenFill xmlns:a14="http://schemas.microsoft.com/office/drawing/2010/main">
+                <a:solidFill>
+                  <a:srgbClr val="FFFFFF"/>
+                </a:solidFill>
+              </a14:hiddenFill>
+            </a:ext>
+          </a:extLst>
+        </p:spPr>
+      </p:pic>
+      <p:sp>
+        <p:nvSpPr>
+          <p:cNvPr id="8" name="TextBox 7">
+            <a:extLst>
+              <a:ext uri="{FF2B5EF4-FFF2-40B4-BE49-F238E27FC236}">
+                <a16:creationId xmlns:a16="http://schemas.microsoft.com/office/drawing/2014/main" id="{E638C765-2921-F02C-A0BA-E64346A342EE}"/>
+              </a:ext>
+            </a:extLst>
+          </p:cNvPr>
+          <p:cNvSpPr txBox="1"/>
+          <p:nvPr/>
+        </p:nvSpPr>
+        <p:spPr>
+          <a:xfrm>
+            <a:off x="1083989" y="4407821"/>
+            <a:ext cx="2245367" cy="523220"/>
+          </a:xfrm>
+          <a:prstGeom prst="rect">
+            <a:avLst/>
+          </a:prstGeom>
+          <a:noFill/>
+        </p:spPr>
+        <p:txBody>
+          <a:bodyPr wrap="square" rtlCol="0">
+            <a:spAutoFit/>
+          </a:bodyPr>
+          <a:lstStyle/>
+          <a:p>
+            <a:r>
+              <a:rPr lang="en-US" sz="2800" dirty="0">
+                <a:solidFill>
+                  <a:schemeClr val="accent4"/>
+                </a:solidFill>
+              </a:rPr>
+              <a:t>André Davis</a:t>
+            </a:r>
+          </a:p>
+        </p:txBody>
+      </p:sp>
+      <p:grpSp>
+        <p:nvGrpSpPr>
+          <p:cNvPr id="5" name="Group 4">
+            <a:extLst>
+              <a:ext uri="{FF2B5EF4-FFF2-40B4-BE49-F238E27FC236}">
+                <a16:creationId xmlns:a16="http://schemas.microsoft.com/office/drawing/2014/main" id="{31574D25-D380-7CFF-007B-BE7E52E5DA5F}"/>
+              </a:ext>
+            </a:extLst>
+          </p:cNvPr>
+          <p:cNvGrpSpPr/>
+          <p:nvPr/>
+        </p:nvGrpSpPr>
+        <p:grpSpPr>
+          <a:xfrm>
+            <a:off x="7481856" y="4669431"/>
+            <a:ext cx="3751757" cy="1214387"/>
+            <a:chOff x="7632327" y="4279328"/>
+            <a:chExt cx="3751757" cy="1214387"/>
+          </a:xfrm>
+        </p:grpSpPr>
+        <p:pic>
+          <p:nvPicPr>
+            <p:cNvPr id="1026" name="Picture 2">
+              <a:extLst>
+                <a:ext uri="{FF2B5EF4-FFF2-40B4-BE49-F238E27FC236}">
+                  <a16:creationId xmlns:a16="http://schemas.microsoft.com/office/drawing/2014/main" id="{3C2FA96F-4BC8-E7D6-3F85-7DDE1DCC25A9}"/>
+                </a:ext>
+              </a:extLst>
+            </p:cNvPr>
+            <p:cNvPicPr>
+              <a:picLocks noChangeAspect="1" noChangeArrowheads="1"/>
+            </p:cNvPicPr>
+            <p:nvPr/>
+          </p:nvPicPr>
+          <p:blipFill rotWithShape="1">
+            <a:blip r:embed="rId3">
+              <a:extLst>
+                <a:ext uri="{28A0092B-C50C-407E-A947-70E740481C1C}">
+                  <a14:useLocalDpi xmlns:a14="http://schemas.microsoft.com/office/drawing/2010/main" val="0"/>
+                </a:ext>
+              </a:extLst>
+            </a:blip>
+            <a:srcRect l="22651" r="22756"/>
+            <a:stretch/>
+          </p:blipFill>
+          <p:spPr bwMode="auto">
+            <a:xfrm>
+              <a:off x="8887585" y="4279328"/>
+              <a:ext cx="1178620" cy="1214387"/>
+            </a:xfrm>
+            <a:prstGeom prst="rect">
+              <a:avLst/>
+            </a:prstGeom>
+            <a:noFill/>
+            <a:extLst>
+              <a:ext uri="{909E8E84-426E-40DD-AFC4-6F175D3DCCD1}">
+                <a14:hiddenFill xmlns:a14="http://schemas.microsoft.com/office/drawing/2010/main">
+                  <a:solidFill>
+                    <a:srgbClr val="FFFFFF"/>
+                  </a:solidFill>
+                </a14:hiddenFill>
+              </a:ext>
+            </a:extLst>
+          </p:spPr>
+        </p:pic>
+        <p:pic>
+          <p:nvPicPr>
+            <p:cNvPr id="1030" name="Picture 6">
+              <a:extLst>
+                <a:ext uri="{FF2B5EF4-FFF2-40B4-BE49-F238E27FC236}">
+                  <a16:creationId xmlns:a16="http://schemas.microsoft.com/office/drawing/2014/main" id="{F2648D8C-8018-9B42-2658-444069885367}"/>
+                </a:ext>
+              </a:extLst>
+            </p:cNvPr>
+            <p:cNvPicPr>
+              <a:picLocks noChangeAspect="1" noChangeArrowheads="1"/>
+            </p:cNvPicPr>
+            <p:nvPr/>
+          </p:nvPicPr>
+          <p:blipFill rotWithShape="1">
+            <a:blip r:embed="rId4">
+              <a:extLst>
+                <a:ext uri="{28A0092B-C50C-407E-A947-70E740481C1C}">
+                  <a14:useLocalDpi xmlns:a14="http://schemas.microsoft.com/office/drawing/2010/main" val="0"/>
+                </a:ext>
+              </a:extLst>
+            </a:blip>
+            <a:srcRect l="9241" t="20364" r="6483" b="22353"/>
+            <a:stretch/>
+          </p:blipFill>
+          <p:spPr bwMode="auto">
+            <a:xfrm>
+              <a:off x="7632327" y="4279328"/>
+              <a:ext cx="1155614" cy="1046966"/>
+            </a:xfrm>
+            <a:prstGeom prst="rect">
+              <a:avLst/>
+            </a:prstGeom>
+            <a:noFill/>
+            <a:extLst>
+              <a:ext uri="{909E8E84-426E-40DD-AFC4-6F175D3DCCD1}">
+                <a14:hiddenFill xmlns:a14="http://schemas.microsoft.com/office/drawing/2010/main">
+                  <a:solidFill>
+                    <a:srgbClr val="FFFFFF"/>
+                  </a:solidFill>
+                </a14:hiddenFill>
+              </a:ext>
+            </a:extLst>
+          </p:spPr>
+        </p:pic>
+        <p:pic>
+          <p:nvPicPr>
+            <p:cNvPr id="1032" name="Picture 8">
+              <a:extLst>
+                <a:ext uri="{FF2B5EF4-FFF2-40B4-BE49-F238E27FC236}">
+                  <a16:creationId xmlns:a16="http://schemas.microsoft.com/office/drawing/2014/main" id="{E91E68FD-8DF4-6322-9BEA-70F9B3966396}"/>
+                </a:ext>
+              </a:extLst>
+            </p:cNvPr>
+            <p:cNvPicPr>
+              <a:picLocks noChangeAspect="1" noChangeArrowheads="1"/>
+            </p:cNvPicPr>
+            <p:nvPr/>
+          </p:nvPicPr>
+          <p:blipFill>
+            <a:blip r:embed="rId5">
+              <a:extLst>
+                <a:ext uri="{28A0092B-C50C-407E-A947-70E740481C1C}">
+                  <a14:useLocalDpi xmlns:a14="http://schemas.microsoft.com/office/drawing/2010/main" val="0"/>
+                </a:ext>
+              </a:extLst>
+            </a:blip>
+            <a:srcRect/>
+            <a:stretch>
+              <a:fillRect/>
+            </a:stretch>
+          </p:blipFill>
+          <p:spPr bwMode="auto">
+            <a:xfrm>
+              <a:off x="10165849" y="4407821"/>
+              <a:ext cx="1218235" cy="749683"/>
+            </a:xfrm>
+            <a:prstGeom prst="rect">
+              <a:avLst/>
+            </a:prstGeom>
+            <a:noFill/>
+            <a:extLst>
+              <a:ext uri="{909E8E84-426E-40DD-AFC4-6F175D3DCCD1}">
+                <a14:hiddenFill xmlns:a14="http://schemas.microsoft.com/office/drawing/2010/main">
+                  <a:solidFill>
+                    <a:srgbClr val="FFFFFF"/>
+                  </a:solidFill>
+                </a14:hiddenFill>
+              </a:ext>
+            </a:extLst>
+          </p:spPr>
+        </p:pic>
+      </p:grpSp>
     </p:spTree>
     <p:extLst>
       <p:ext uri="{BB962C8B-B14F-4D97-AF65-F5344CB8AC3E}">
@@ -1437,6 +1824,508 @@
           </a:p>
         </p:txBody>
       </p:sp>
+      <p:sp>
+        <p:nvSpPr>
+          <p:cNvPr id="3" name="TextBox 2">
+            <a:extLst>
+              <a:ext uri="{FF2B5EF4-FFF2-40B4-BE49-F238E27FC236}">
+                <a16:creationId xmlns:a16="http://schemas.microsoft.com/office/drawing/2014/main" id="{1EA332B5-DE1F-BB10-20E6-4457657D38D9}"/>
+              </a:ext>
+            </a:extLst>
+          </p:cNvPr>
+          <p:cNvSpPr txBox="1"/>
+          <p:nvPr/>
+        </p:nvSpPr>
+        <p:spPr>
+          <a:xfrm>
+            <a:off x="453614" y="1355962"/>
+            <a:ext cx="2314938" cy="1908215"/>
+          </a:xfrm>
+          <a:prstGeom prst="rect">
+            <a:avLst/>
+          </a:prstGeom>
+          <a:noFill/>
+        </p:spPr>
+        <p:txBody>
+          <a:bodyPr wrap="square" rtlCol="0">
+            <a:spAutoFit/>
+          </a:bodyPr>
+          <a:lstStyle/>
+          <a:p>
+            <a:r>
+              <a:rPr lang="en-US" sz="2800" dirty="0">
+                <a:solidFill>
+                  <a:schemeClr val="accent4"/>
+                </a:solidFill>
+              </a:rPr>
+              <a:t>Problem:</a:t>
+            </a:r>
+          </a:p>
+          <a:p>
+            <a:endParaRPr lang="en-US" dirty="0">
+              <a:solidFill>
+                <a:schemeClr val="accent4"/>
+              </a:solidFill>
+            </a:endParaRPr>
+          </a:p>
+          <a:p>
+            <a:r>
+              <a:rPr lang="en-US" dirty="0">
+                <a:solidFill>
+                  <a:schemeClr val="accent4"/>
+                </a:solidFill>
+              </a:rPr>
+              <a:t>SPAM can lead to -</a:t>
+            </a:r>
+          </a:p>
+          <a:p>
+            <a:pPr marL="342900" indent="-342900">
+              <a:buFont typeface="+mj-lt"/>
+              <a:buAutoNum type="arabicPeriod"/>
+            </a:pPr>
+            <a:r>
+              <a:rPr lang="en-US" dirty="0">
+                <a:solidFill>
+                  <a:schemeClr val="accent4"/>
+                </a:solidFill>
+              </a:rPr>
+              <a:t>Viruses</a:t>
+            </a:r>
+          </a:p>
+          <a:p>
+            <a:pPr marL="342900" indent="-342900">
+              <a:buFont typeface="+mj-lt"/>
+              <a:buAutoNum type="arabicPeriod"/>
+            </a:pPr>
+            <a:r>
+              <a:rPr lang="en-US" dirty="0">
+                <a:solidFill>
+                  <a:schemeClr val="accent4"/>
+                </a:solidFill>
+              </a:rPr>
+              <a:t>Phishing</a:t>
+            </a:r>
+          </a:p>
+          <a:p>
+            <a:pPr marL="342900" indent="-342900">
+              <a:buFont typeface="+mj-lt"/>
+              <a:buAutoNum type="arabicPeriod"/>
+            </a:pPr>
+            <a:r>
+              <a:rPr lang="en-US" dirty="0">
+                <a:solidFill>
+                  <a:schemeClr val="accent4"/>
+                </a:solidFill>
+              </a:rPr>
+              <a:t>Ransomware</a:t>
+            </a:r>
+          </a:p>
+        </p:txBody>
+      </p:sp>
+      <p:grpSp>
+        <p:nvGrpSpPr>
+          <p:cNvPr id="21" name="Group 20">
+            <a:extLst>
+              <a:ext uri="{FF2B5EF4-FFF2-40B4-BE49-F238E27FC236}">
+                <a16:creationId xmlns:a16="http://schemas.microsoft.com/office/drawing/2014/main" id="{FBDB4267-0FE9-6D6A-6E55-45DF33D88819}"/>
+              </a:ext>
+            </a:extLst>
+          </p:cNvPr>
+          <p:cNvGrpSpPr/>
+          <p:nvPr/>
+        </p:nvGrpSpPr>
+        <p:grpSpPr>
+          <a:xfrm>
+            <a:off x="510487" y="3898413"/>
+            <a:ext cx="4045732" cy="1849978"/>
+            <a:chOff x="763928" y="4399549"/>
+            <a:chExt cx="4045732" cy="1849978"/>
+          </a:xfrm>
+        </p:grpSpPr>
+        <p:sp>
+          <p:nvSpPr>
+            <p:cNvPr id="4" name="TextBox 3">
+              <a:extLst>
+                <a:ext uri="{FF2B5EF4-FFF2-40B4-BE49-F238E27FC236}">
+                  <a16:creationId xmlns:a16="http://schemas.microsoft.com/office/drawing/2014/main" id="{9AEE5166-C93D-82D3-FE09-A13281F1E103}"/>
+                </a:ext>
+              </a:extLst>
+            </p:cNvPr>
+            <p:cNvSpPr txBox="1"/>
+            <p:nvPr/>
+          </p:nvSpPr>
+          <p:spPr>
+            <a:xfrm>
+              <a:off x="763928" y="4618311"/>
+              <a:ext cx="4045732" cy="1631216"/>
+            </a:xfrm>
+            <a:prstGeom prst="rect">
+              <a:avLst/>
+            </a:prstGeom>
+            <a:noFill/>
+          </p:spPr>
+          <p:txBody>
+            <a:bodyPr wrap="square" rtlCol="0">
+              <a:spAutoFit/>
+            </a:bodyPr>
+            <a:lstStyle/>
+            <a:p>
+              <a:r>
+                <a:rPr lang="en-US" sz="2800" dirty="0">
+                  <a:solidFill>
+                    <a:schemeClr val="accent4"/>
+                  </a:solidFill>
+                </a:rPr>
+                <a:t>Hypothesis</a:t>
+              </a:r>
+              <a:r>
+                <a:rPr lang="en-US" dirty="0">
+                  <a:solidFill>
+                    <a:schemeClr val="accent4"/>
+                  </a:solidFill>
+                </a:rPr>
+                <a:t>:</a:t>
+              </a:r>
+            </a:p>
+            <a:p>
+              <a:endParaRPr lang="en-US" dirty="0">
+                <a:solidFill>
+                  <a:schemeClr val="accent4"/>
+                </a:solidFill>
+              </a:endParaRPr>
+            </a:p>
+            <a:p>
+              <a:r>
+                <a:rPr lang="en-US" dirty="0">
+                  <a:solidFill>
+                    <a:schemeClr val="accent4"/>
+                  </a:solidFill>
+                </a:rPr>
+                <a:t>A machine learning model can be created that accurately identifies SPAM greater than 95%.</a:t>
+              </a:r>
+            </a:p>
+          </p:txBody>
+        </p:sp>
+        <p:pic>
+          <p:nvPicPr>
+            <p:cNvPr id="7" name="Picture 6">
+              <a:extLst>
+                <a:ext uri="{FF2B5EF4-FFF2-40B4-BE49-F238E27FC236}">
+                  <a16:creationId xmlns:a16="http://schemas.microsoft.com/office/drawing/2014/main" id="{823C59B0-82A5-B2BF-2B06-00C4891422DA}"/>
+                </a:ext>
+              </a:extLst>
+            </p:cNvPr>
+            <p:cNvPicPr>
+              <a:picLocks noChangeAspect="1"/>
+            </p:cNvPicPr>
+            <p:nvPr/>
+          </p:nvPicPr>
+          <p:blipFill>
+            <a:blip r:embed="rId2"/>
+            <a:stretch>
+              <a:fillRect/>
+            </a:stretch>
+          </p:blipFill>
+          <p:spPr>
+            <a:xfrm>
+              <a:off x="2608468" y="4399549"/>
+              <a:ext cx="940795" cy="965318"/>
+            </a:xfrm>
+            <a:prstGeom prst="rect">
+              <a:avLst/>
+            </a:prstGeom>
+          </p:spPr>
+        </p:pic>
+      </p:grpSp>
+      <p:grpSp>
+        <p:nvGrpSpPr>
+          <p:cNvPr id="20" name="Group 19">
+            <a:extLst>
+              <a:ext uri="{FF2B5EF4-FFF2-40B4-BE49-F238E27FC236}">
+                <a16:creationId xmlns:a16="http://schemas.microsoft.com/office/drawing/2014/main" id="{FB283272-D018-9865-24AA-3CB0D36174B5}"/>
+              </a:ext>
+            </a:extLst>
+          </p:cNvPr>
+          <p:cNvGrpSpPr/>
+          <p:nvPr/>
+        </p:nvGrpSpPr>
+        <p:grpSpPr>
+          <a:xfrm>
+            <a:off x="4556219" y="1109609"/>
+            <a:ext cx="7272761" cy="4190036"/>
+            <a:chOff x="4155311" y="1018572"/>
+            <a:chExt cx="7272761" cy="4190036"/>
+          </a:xfrm>
+        </p:grpSpPr>
+        <p:sp>
+          <p:nvSpPr>
+            <p:cNvPr id="19" name="Flowchart: Alternate Process 18">
+              <a:extLst>
+                <a:ext uri="{FF2B5EF4-FFF2-40B4-BE49-F238E27FC236}">
+                  <a16:creationId xmlns:a16="http://schemas.microsoft.com/office/drawing/2014/main" id="{FBA3BF8E-B127-5C6F-C37B-180544479335}"/>
+                </a:ext>
+              </a:extLst>
+            </p:cNvPr>
+            <p:cNvSpPr/>
+            <p:nvPr/>
+          </p:nvSpPr>
+          <p:spPr>
+            <a:xfrm>
+              <a:off x="4155311" y="1018572"/>
+              <a:ext cx="7272761" cy="4190036"/>
+            </a:xfrm>
+            <a:prstGeom prst="flowChartAlternateProcess">
+              <a:avLst/>
+            </a:prstGeom>
+            <a:solidFill>
+              <a:schemeClr val="tx1">
+                <a:lumMod val="65000"/>
+                <a:lumOff val="35000"/>
+              </a:schemeClr>
+            </a:solidFill>
+          </p:spPr>
+          <p:style>
+            <a:lnRef idx="2">
+              <a:schemeClr val="accent1">
+                <a:shade val="15000"/>
+              </a:schemeClr>
+            </a:lnRef>
+            <a:fillRef idx="1">
+              <a:schemeClr val="accent1"/>
+            </a:fillRef>
+            <a:effectRef idx="0">
+              <a:schemeClr val="accent1"/>
+            </a:effectRef>
+            <a:fontRef idx="minor">
+              <a:schemeClr val="lt1"/>
+            </a:fontRef>
+          </p:style>
+          <p:txBody>
+            <a:bodyPr rtlCol="0" anchor="ctr"/>
+            <a:lstStyle/>
+            <a:p>
+              <a:pPr algn="ctr"/>
+              <a:endParaRPr lang="en-US"/>
+            </a:p>
+          </p:txBody>
+        </p:sp>
+        <p:pic>
+          <p:nvPicPr>
+            <p:cNvPr id="10" name="Picture 9">
+              <a:extLst>
+                <a:ext uri="{FF2B5EF4-FFF2-40B4-BE49-F238E27FC236}">
+                  <a16:creationId xmlns:a16="http://schemas.microsoft.com/office/drawing/2014/main" id="{C72536F7-2769-9134-8DB5-51F2A16F81E8}"/>
+                </a:ext>
+              </a:extLst>
+            </p:cNvPr>
+            <p:cNvPicPr>
+              <a:picLocks noChangeAspect="1"/>
+            </p:cNvPicPr>
+            <p:nvPr/>
+          </p:nvPicPr>
+          <p:blipFill>
+            <a:blip r:embed="rId3"/>
+            <a:stretch>
+              <a:fillRect/>
+            </a:stretch>
+          </p:blipFill>
+          <p:spPr>
+            <a:xfrm>
+              <a:off x="4700807" y="3762137"/>
+              <a:ext cx="1232879" cy="1203397"/>
+            </a:xfrm>
+            <a:prstGeom prst="rect">
+              <a:avLst/>
+            </a:prstGeom>
+          </p:spPr>
+        </p:pic>
+        <p:pic>
+          <p:nvPicPr>
+            <p:cNvPr id="13" name="Picture 12">
+              <a:extLst>
+                <a:ext uri="{FF2B5EF4-FFF2-40B4-BE49-F238E27FC236}">
+                  <a16:creationId xmlns:a16="http://schemas.microsoft.com/office/drawing/2014/main" id="{C5AE710B-AAF5-A369-54B7-12954B820768}"/>
+                </a:ext>
+              </a:extLst>
+            </p:cNvPr>
+            <p:cNvPicPr>
+              <a:picLocks noChangeAspect="1"/>
+            </p:cNvPicPr>
+            <p:nvPr/>
+          </p:nvPicPr>
+          <p:blipFill>
+            <a:blip r:embed="rId4"/>
+            <a:stretch>
+              <a:fillRect/>
+            </a:stretch>
+          </p:blipFill>
+          <p:spPr>
+            <a:xfrm>
+              <a:off x="4676171" y="1245509"/>
+              <a:ext cx="1290090" cy="1208384"/>
+            </a:xfrm>
+            <a:prstGeom prst="rect">
+              <a:avLst/>
+            </a:prstGeom>
+          </p:spPr>
+        </p:pic>
+        <p:pic>
+          <p:nvPicPr>
+            <p:cNvPr id="15" name="Picture 14">
+              <a:extLst>
+                <a:ext uri="{FF2B5EF4-FFF2-40B4-BE49-F238E27FC236}">
+                  <a16:creationId xmlns:a16="http://schemas.microsoft.com/office/drawing/2014/main" id="{FAD3A996-2B4D-D352-2E8C-424C8FF53C0B}"/>
+                </a:ext>
+              </a:extLst>
+            </p:cNvPr>
+            <p:cNvPicPr>
+              <a:picLocks noChangeAspect="1"/>
+            </p:cNvPicPr>
+            <p:nvPr/>
+          </p:nvPicPr>
+          <p:blipFill>
+            <a:blip r:embed="rId5"/>
+            <a:stretch>
+              <a:fillRect/>
+            </a:stretch>
+          </p:blipFill>
+          <p:spPr>
+            <a:xfrm>
+              <a:off x="4700808" y="2490074"/>
+              <a:ext cx="1232879" cy="1208385"/>
+            </a:xfrm>
+            <a:prstGeom prst="rect">
+              <a:avLst/>
+            </a:prstGeom>
+          </p:spPr>
+        </p:pic>
+        <p:sp>
+          <p:nvSpPr>
+            <p:cNvPr id="16" name="TextBox 15">
+              <a:extLst>
+                <a:ext uri="{FF2B5EF4-FFF2-40B4-BE49-F238E27FC236}">
+                  <a16:creationId xmlns:a16="http://schemas.microsoft.com/office/drawing/2014/main" id="{8CF5FA8E-53D9-3B6E-AD8D-C13961E0927B}"/>
+                </a:ext>
+              </a:extLst>
+            </p:cNvPr>
+            <p:cNvSpPr txBox="1"/>
+            <p:nvPr/>
+          </p:nvSpPr>
+          <p:spPr>
+            <a:xfrm>
+              <a:off x="6225741" y="1480369"/>
+              <a:ext cx="4884517" cy="738664"/>
+            </a:xfrm>
+            <a:prstGeom prst="rect">
+              <a:avLst/>
+            </a:prstGeom>
+            <a:noFill/>
+          </p:spPr>
+          <p:txBody>
+            <a:bodyPr wrap="square" rtlCol="0">
+              <a:spAutoFit/>
+            </a:bodyPr>
+            <a:lstStyle/>
+            <a:p>
+              <a:r>
+                <a:rPr lang="en-US" sz="1400" b="0" i="0" dirty="0">
+                  <a:solidFill>
+                    <a:srgbClr val="D1D5DB"/>
+                  </a:solidFill>
+                  <a:effectLst/>
+                  <a:latin typeface="Söhne"/>
+                </a:rPr>
+                <a:t>A computer virus is a type of malicious software that replicates itself by modifying other computer programs, potentially damaging system functionality, corrupting files, or stealing data.</a:t>
+              </a:r>
+              <a:endParaRPr lang="en-US" sz="1400" dirty="0"/>
+            </a:p>
+          </p:txBody>
+        </p:sp>
+        <p:sp>
+          <p:nvSpPr>
+            <p:cNvPr id="17" name="TextBox 16">
+              <a:extLst>
+                <a:ext uri="{FF2B5EF4-FFF2-40B4-BE49-F238E27FC236}">
+                  <a16:creationId xmlns:a16="http://schemas.microsoft.com/office/drawing/2014/main" id="{00E9A576-E7D9-1762-1D2A-B5497C5D54E2}"/>
+                </a:ext>
+              </a:extLst>
+            </p:cNvPr>
+            <p:cNvSpPr txBox="1"/>
+            <p:nvPr/>
+          </p:nvSpPr>
+          <p:spPr>
+            <a:xfrm>
+              <a:off x="6225741" y="2554780"/>
+              <a:ext cx="4767331" cy="954107"/>
+            </a:xfrm>
+            <a:prstGeom prst="rect">
+              <a:avLst/>
+            </a:prstGeom>
+            <a:noFill/>
+          </p:spPr>
+          <p:txBody>
+            <a:bodyPr wrap="square" rtlCol="0">
+              <a:spAutoFit/>
+            </a:bodyPr>
+            <a:lstStyle/>
+            <a:p>
+              <a:r>
+                <a:rPr lang="en-US" sz="1400" b="0" i="0" dirty="0">
+                  <a:solidFill>
+                    <a:srgbClr val="D1D5DB"/>
+                  </a:solidFill>
+                  <a:effectLst/>
+                  <a:latin typeface="Söhne"/>
+                </a:rPr>
+                <a:t>Phishing is a fraudulent attempt to obtain sensitive information by disguising as a trustworthy entity in digital communication, often using email to trick recipients into revealing personal data like passwords and credit card numbers.</a:t>
+              </a:r>
+              <a:endParaRPr lang="en-US" sz="1400" dirty="0"/>
+            </a:p>
+          </p:txBody>
+        </p:sp>
+        <p:sp>
+          <p:nvSpPr>
+            <p:cNvPr id="18" name="TextBox 17">
+              <a:extLst>
+                <a:ext uri="{FF2B5EF4-FFF2-40B4-BE49-F238E27FC236}">
+                  <a16:creationId xmlns:a16="http://schemas.microsoft.com/office/drawing/2014/main" id="{896A44E4-3A96-4709-B68C-38CE2287BEFE}"/>
+                </a:ext>
+              </a:extLst>
+            </p:cNvPr>
+            <p:cNvSpPr txBox="1"/>
+            <p:nvPr/>
+          </p:nvSpPr>
+          <p:spPr>
+            <a:xfrm>
+              <a:off x="6225741" y="3877519"/>
+              <a:ext cx="5001702" cy="954107"/>
+            </a:xfrm>
+            <a:prstGeom prst="rect">
+              <a:avLst/>
+            </a:prstGeom>
+            <a:noFill/>
+          </p:spPr>
+          <p:txBody>
+            <a:bodyPr wrap="square" rtlCol="0">
+              <a:spAutoFit/>
+            </a:bodyPr>
+            <a:lstStyle/>
+            <a:p>
+              <a:r>
+                <a:rPr lang="en-US" sz="1400" b="0" i="0" dirty="0">
+                  <a:solidFill>
+                    <a:srgbClr val="D1D5DB"/>
+                  </a:solidFill>
+                  <a:effectLst/>
+                  <a:latin typeface="Söhne"/>
+                </a:rPr>
+                <a:t>Ransomware is a type of malware that encrypts a victim's files and demands payment to restore access. It often spreads through phishing emails or security vulnerabilities, causing data loss and financial damage.</a:t>
+              </a:r>
+              <a:endParaRPr lang="en-US" sz="1400" dirty="0"/>
+            </a:p>
+          </p:txBody>
+        </p:sp>
+      </p:grpSp>
     </p:spTree>
     <p:extLst>
       <p:ext uri="{BB962C8B-B14F-4D97-AF65-F5344CB8AC3E}">
@@ -1515,6 +2404,332 @@
           </a:p>
         </p:txBody>
       </p:sp>
+      <p:sp>
+        <p:nvSpPr>
+          <p:cNvPr id="2" name="TextBox 1">
+            <a:extLst>
+              <a:ext uri="{FF2B5EF4-FFF2-40B4-BE49-F238E27FC236}">
+                <a16:creationId xmlns:a16="http://schemas.microsoft.com/office/drawing/2014/main" id="{16A15145-3785-C892-FD3F-C6102C4BDC9C}"/>
+              </a:ext>
+            </a:extLst>
+          </p:cNvPr>
+          <p:cNvSpPr txBox="1"/>
+          <p:nvPr/>
+        </p:nvSpPr>
+        <p:spPr>
+          <a:xfrm>
+            <a:off x="448638" y="1024951"/>
+            <a:ext cx="10706583" cy="4801314"/>
+          </a:xfrm>
+          <a:prstGeom prst="rect">
+            <a:avLst/>
+          </a:prstGeom>
+          <a:noFill/>
+        </p:spPr>
+        <p:txBody>
+          <a:bodyPr wrap="square" rtlCol="0">
+            <a:spAutoFit/>
+          </a:bodyPr>
+          <a:lstStyle/>
+          <a:p>
+            <a:pPr marL="285750" indent="-285750">
+              <a:buFont typeface="Arial" panose="020B0604020202020204" pitchFamily="34" charset="0"/>
+              <a:buChar char="•"/>
+            </a:pPr>
+            <a:r>
+              <a:rPr lang="en-US" b="1" i="1" dirty="0">
+                <a:solidFill>
+                  <a:schemeClr val="accent4"/>
+                </a:solidFill>
+              </a:rPr>
+              <a:t>Data Collection</a:t>
+            </a:r>
+          </a:p>
+          <a:p>
+            <a:pPr marL="742950" lvl="1" indent="-285750">
+              <a:buFont typeface="Arial" panose="020B0604020202020204" pitchFamily="34" charset="0"/>
+              <a:buChar char="•"/>
+            </a:pPr>
+            <a:r>
+              <a:rPr lang="en-US" dirty="0">
+                <a:solidFill>
+                  <a:schemeClr val="accent4"/>
+                </a:solidFill>
+              </a:rPr>
+              <a:t>Kaggle – Enron Emails </a:t>
+            </a:r>
+            <a:r>
+              <a:rPr lang="en-US">
+                <a:solidFill>
+                  <a:schemeClr val="accent4"/>
+                </a:solidFill>
+              </a:rPr>
+              <a:t>(Labeled [SPAM or HAM])</a:t>
+            </a:r>
+            <a:br>
+              <a:rPr lang="en-US" dirty="0">
+                <a:solidFill>
+                  <a:schemeClr val="accent4"/>
+                </a:solidFill>
+              </a:rPr>
+            </a:br>
+            <a:endParaRPr lang="en-US" dirty="0">
+              <a:solidFill>
+                <a:schemeClr val="accent4"/>
+              </a:solidFill>
+            </a:endParaRPr>
+          </a:p>
+          <a:p>
+            <a:pPr marL="285750" indent="-285750">
+              <a:buFont typeface="Arial" panose="020B0604020202020204" pitchFamily="34" charset="0"/>
+              <a:buChar char="•"/>
+            </a:pPr>
+            <a:r>
+              <a:rPr lang="en-US" b="1" i="1" dirty="0">
+                <a:solidFill>
+                  <a:schemeClr val="accent4"/>
+                </a:solidFill>
+              </a:rPr>
+              <a:t>Data Extraction and Preparation</a:t>
+            </a:r>
+          </a:p>
+          <a:p>
+            <a:pPr marL="742950" lvl="1" indent="-285750">
+              <a:buFont typeface="Arial" panose="020B0604020202020204" pitchFamily="34" charset="0"/>
+              <a:buChar char="•"/>
+            </a:pPr>
+            <a:r>
+              <a:rPr lang="en-US" dirty="0">
+                <a:solidFill>
+                  <a:schemeClr val="accent4"/>
+                </a:solidFill>
+              </a:rPr>
+              <a:t>Loading Data</a:t>
+            </a:r>
+          </a:p>
+          <a:p>
+            <a:pPr marL="742950" lvl="1" indent="-285750">
+              <a:buFont typeface="Arial" panose="020B0604020202020204" pitchFamily="34" charset="0"/>
+              <a:buChar char="•"/>
+            </a:pPr>
+            <a:r>
+              <a:rPr lang="en-US" dirty="0">
+                <a:solidFill>
+                  <a:schemeClr val="accent4"/>
+                </a:solidFill>
+              </a:rPr>
+              <a:t>Missing Data Check</a:t>
+            </a:r>
+          </a:p>
+          <a:p>
+            <a:pPr marL="742950" lvl="1" indent="-285750">
+              <a:buFont typeface="Arial" panose="020B0604020202020204" pitchFamily="34" charset="0"/>
+              <a:buChar char="•"/>
+            </a:pPr>
+            <a:r>
+              <a:rPr lang="en-US" dirty="0">
+                <a:solidFill>
+                  <a:schemeClr val="accent4"/>
+                </a:solidFill>
+              </a:rPr>
+              <a:t>Label Balance Verification</a:t>
+            </a:r>
+            <a:br>
+              <a:rPr lang="en-US" dirty="0">
+                <a:solidFill>
+                  <a:schemeClr val="accent4"/>
+                </a:solidFill>
+              </a:rPr>
+            </a:br>
+            <a:endParaRPr lang="en-US" dirty="0">
+              <a:solidFill>
+                <a:schemeClr val="accent4"/>
+              </a:solidFill>
+            </a:endParaRPr>
+          </a:p>
+          <a:p>
+            <a:pPr marL="285750" indent="-285750">
+              <a:buFont typeface="Arial" panose="020B0604020202020204" pitchFamily="34" charset="0"/>
+              <a:buChar char="•"/>
+            </a:pPr>
+            <a:r>
+              <a:rPr lang="en-US" b="1" i="1" dirty="0">
+                <a:solidFill>
+                  <a:schemeClr val="accent4"/>
+                </a:solidFill>
+              </a:rPr>
+              <a:t>Text Data Pre-Processing</a:t>
+            </a:r>
+          </a:p>
+          <a:p>
+            <a:pPr marL="742950" lvl="1" indent="-285750">
+              <a:buFont typeface="Arial" panose="020B0604020202020204" pitchFamily="34" charset="0"/>
+              <a:buChar char="•"/>
+            </a:pPr>
+            <a:r>
+              <a:rPr lang="en-US" dirty="0">
+                <a:solidFill>
+                  <a:schemeClr val="accent4"/>
+                </a:solidFill>
+              </a:rPr>
+              <a:t>Pre-Processing for Machine Learning</a:t>
+            </a:r>
+          </a:p>
+          <a:p>
+            <a:pPr marL="1200150" lvl="2" indent="-285750">
+              <a:buFont typeface="Arial" panose="020B0604020202020204" pitchFamily="34" charset="0"/>
+              <a:buChar char="•"/>
+            </a:pPr>
+            <a:r>
+              <a:rPr lang="en-US" dirty="0">
+                <a:solidFill>
+                  <a:schemeClr val="accent4"/>
+                </a:solidFill>
+              </a:rPr>
+              <a:t>Text Normalization</a:t>
+            </a:r>
+          </a:p>
+          <a:p>
+            <a:pPr marL="1200150" lvl="2" indent="-285750">
+              <a:buFont typeface="Arial" panose="020B0604020202020204" pitchFamily="34" charset="0"/>
+              <a:buChar char="•"/>
+            </a:pPr>
+            <a:r>
+              <a:rPr lang="en-US" dirty="0">
+                <a:solidFill>
+                  <a:schemeClr val="accent4"/>
+                </a:solidFill>
+              </a:rPr>
+              <a:t>Punctuation Removal</a:t>
+            </a:r>
+          </a:p>
+          <a:p>
+            <a:pPr marL="1200150" lvl="2" indent="-285750">
+              <a:buFont typeface="Arial" panose="020B0604020202020204" pitchFamily="34" charset="0"/>
+              <a:buChar char="•"/>
+            </a:pPr>
+            <a:r>
+              <a:rPr lang="en-US" dirty="0">
+                <a:solidFill>
+                  <a:schemeClr val="accent4"/>
+                </a:solidFill>
+              </a:rPr>
+              <a:t>Tokenization</a:t>
+            </a:r>
+          </a:p>
+          <a:p>
+            <a:pPr marL="1200150" lvl="2" indent="-285750">
+              <a:buFont typeface="Arial" panose="020B0604020202020204" pitchFamily="34" charset="0"/>
+              <a:buChar char="•"/>
+            </a:pPr>
+            <a:r>
+              <a:rPr lang="en-US" dirty="0">
+                <a:solidFill>
+                  <a:schemeClr val="accent4"/>
+                </a:solidFill>
+              </a:rPr>
+              <a:t>Top Work Removal</a:t>
+            </a:r>
+          </a:p>
+          <a:p>
+            <a:pPr marL="1200150" lvl="2" indent="-285750">
+              <a:buFont typeface="Arial" panose="020B0604020202020204" pitchFamily="34" charset="0"/>
+              <a:buChar char="•"/>
+            </a:pPr>
+            <a:r>
+              <a:rPr lang="en-US" dirty="0">
+                <a:solidFill>
+                  <a:schemeClr val="accent4"/>
+                </a:solidFill>
+              </a:rPr>
+              <a:t>Vectorization (Embeddings)</a:t>
+            </a:r>
+            <a:br>
+              <a:rPr lang="en-US" dirty="0">
+                <a:solidFill>
+                  <a:schemeClr val="accent4"/>
+                </a:solidFill>
+              </a:rPr>
+            </a:br>
+            <a:endParaRPr lang="en-US" dirty="0">
+              <a:solidFill>
+                <a:schemeClr val="accent4"/>
+              </a:solidFill>
+            </a:endParaRPr>
+          </a:p>
+          <a:p>
+            <a:pPr marL="285750" indent="-285750">
+              <a:buFont typeface="Arial" panose="020B0604020202020204" pitchFamily="34" charset="0"/>
+              <a:buChar char="•"/>
+            </a:pPr>
+            <a:r>
+              <a:rPr lang="en-US" b="1" i="1" dirty="0">
+                <a:solidFill>
+                  <a:schemeClr val="accent4"/>
+                </a:solidFill>
+              </a:rPr>
+              <a:t>Logistical Regression</a:t>
+            </a:r>
+          </a:p>
+        </p:txBody>
+      </p:sp>
+      <p:pic>
+        <p:nvPicPr>
+          <p:cNvPr id="13" name="Picture 12">
+            <a:extLst>
+              <a:ext uri="{FF2B5EF4-FFF2-40B4-BE49-F238E27FC236}">
+                <a16:creationId xmlns:a16="http://schemas.microsoft.com/office/drawing/2014/main" id="{8FF12A92-2A36-CF10-F755-4F2E2F6E65C5}"/>
+              </a:ext>
+            </a:extLst>
+          </p:cNvPr>
+          <p:cNvPicPr>
+            <a:picLocks noChangeAspect="1"/>
+          </p:cNvPicPr>
+          <p:nvPr/>
+        </p:nvPicPr>
+        <p:blipFill>
+          <a:blip r:embed="rId2"/>
+          <a:stretch>
+            <a:fillRect/>
+          </a:stretch>
+        </p:blipFill>
+        <p:spPr>
+          <a:xfrm>
+            <a:off x="6227179" y="1233800"/>
+            <a:ext cx="4870791" cy="4599249"/>
+          </a:xfrm>
+          <a:prstGeom prst="roundRect">
+            <a:avLst>
+              <a:gd name="adj" fmla="val 11111"/>
+            </a:avLst>
+          </a:prstGeom>
+          <a:ln w="190500" cap="rnd">
+            <a:solidFill>
+              <a:srgbClr val="C8C6BD"/>
+            </a:solidFill>
+            <a:prstDash val="solid"/>
+          </a:ln>
+          <a:effectLst>
+            <a:outerShdw blurRad="101600" dist="50800" dir="7200000" algn="tl" rotWithShape="0">
+              <a:srgbClr val="000000">
+                <a:alpha val="45000"/>
+              </a:srgbClr>
+            </a:outerShdw>
+          </a:effectLst>
+          <a:scene3d>
+            <a:camera prst="perspectiveFront" fov="5400000"/>
+            <a:lightRig rig="threePt" dir="t">
+              <a:rot lat="0" lon="0" rev="19200000"/>
+            </a:lightRig>
+          </a:scene3d>
+          <a:sp3d extrusionH="25400">
+            <a:bevelT w="304800" h="152400" prst="hardEdge"/>
+            <a:extrusionClr>
+              <a:srgbClr val="FFFFFF"/>
+            </a:extrusionClr>
+          </a:sp3d>
+        </p:spPr>
+      </p:pic>
     </p:spTree>
     <p:extLst>
       <p:ext uri="{BB962C8B-B14F-4D97-AF65-F5344CB8AC3E}">
